--- a/img/ridehail_images.pptx
+++ b/img/ridehail_images.pptx
@@ -6,23 +6,36 @@
   </p:sldMasterIdLst>
   <p:sldIdLst>
     <p:sldId id="265" r:id="rId6"/>
-    <p:sldId id="267" r:id="rId7"/>
-    <p:sldId id="266" r:id="rId8"/>
-    <p:sldId id="270" r:id="rId9"/>
-    <p:sldId id="268" r:id="rId10"/>
-    <p:sldId id="271" r:id="rId11"/>
-    <p:sldId id="269" r:id="rId12"/>
-    <p:sldId id="272" r:id="rId13"/>
-    <p:sldId id="273" r:id="rId14"/>
-    <p:sldId id="257" r:id="rId15"/>
-    <p:sldId id="259" r:id="rId16"/>
-    <p:sldId id="256" r:id="rId17"/>
-    <p:sldId id="260" r:id="rId18"/>
-    <p:sldId id="258" r:id="rId19"/>
-    <p:sldId id="264" r:id="rId20"/>
-    <p:sldId id="262" r:id="rId21"/>
-    <p:sldId id="261" r:id="rId22"/>
-    <p:sldId id="263" r:id="rId23"/>
+    <p:sldId id="274" r:id="rId7"/>
+    <p:sldId id="275" r:id="rId8"/>
+    <p:sldId id="276" r:id="rId9"/>
+    <p:sldId id="277" r:id="rId10"/>
+    <p:sldId id="278" r:id="rId11"/>
+    <p:sldId id="279" r:id="rId12"/>
+    <p:sldId id="280" r:id="rId13"/>
+    <p:sldId id="281" r:id="rId14"/>
+    <p:sldId id="282" r:id="rId15"/>
+    <p:sldId id="283" r:id="rId16"/>
+    <p:sldId id="284" r:id="rId17"/>
+    <p:sldId id="285" r:id="rId18"/>
+    <p:sldId id="286" r:id="rId19"/>
+    <p:sldId id="267" r:id="rId20"/>
+    <p:sldId id="266" r:id="rId21"/>
+    <p:sldId id="270" r:id="rId22"/>
+    <p:sldId id="268" r:id="rId23"/>
+    <p:sldId id="271" r:id="rId24"/>
+    <p:sldId id="269" r:id="rId25"/>
+    <p:sldId id="272" r:id="rId26"/>
+    <p:sldId id="273" r:id="rId27"/>
+    <p:sldId id="257" r:id="rId28"/>
+    <p:sldId id="259" r:id="rId29"/>
+    <p:sldId id="256" r:id="rId30"/>
+    <p:sldId id="260" r:id="rId31"/>
+    <p:sldId id="258" r:id="rId32"/>
+    <p:sldId id="264" r:id="rId33"/>
+    <p:sldId id="262" r:id="rId34"/>
+    <p:sldId id="261" r:id="rId35"/>
+    <p:sldId id="263" r:id="rId36"/>
   </p:sldIdLst>
   <p:sldSz cx="12192000" cy="6858000"/>
   <p:notesSz cx="7315200" cy="9601200"/>
@@ -278,7 +291,7 @@
           <a:p>
             <a:fld id="{BEEC5A5A-C34E-462D-A18F-97AFFCCC6197}" type="datetimeFigureOut">
               <a:rPr lang="en-NL" smtClean="0"/>
-              <a:t>12/09/2021</a:t>
+              <a:t>12/15/2021</a:t>
             </a:fld>
             <a:endParaRPr lang="en-NL"/>
           </a:p>
@@ -478,7 +491,7 @@
           <a:p>
             <a:fld id="{BEEC5A5A-C34E-462D-A18F-97AFFCCC6197}" type="datetimeFigureOut">
               <a:rPr lang="en-NL" smtClean="0"/>
-              <a:t>12/09/2021</a:t>
+              <a:t>12/15/2021</a:t>
             </a:fld>
             <a:endParaRPr lang="en-NL"/>
           </a:p>
@@ -688,7 +701,7 @@
           <a:p>
             <a:fld id="{BEEC5A5A-C34E-462D-A18F-97AFFCCC6197}" type="datetimeFigureOut">
               <a:rPr lang="en-NL" smtClean="0"/>
-              <a:t>12/09/2021</a:t>
+              <a:t>12/15/2021</a:t>
             </a:fld>
             <a:endParaRPr lang="en-NL"/>
           </a:p>
@@ -888,7 +901,7 @@
           <a:p>
             <a:fld id="{BEEC5A5A-C34E-462D-A18F-97AFFCCC6197}" type="datetimeFigureOut">
               <a:rPr lang="en-NL" smtClean="0"/>
-              <a:t>12/09/2021</a:t>
+              <a:t>12/15/2021</a:t>
             </a:fld>
             <a:endParaRPr lang="en-NL"/>
           </a:p>
@@ -1164,7 +1177,7 @@
           <a:p>
             <a:fld id="{BEEC5A5A-C34E-462D-A18F-97AFFCCC6197}" type="datetimeFigureOut">
               <a:rPr lang="en-NL" smtClean="0"/>
-              <a:t>12/09/2021</a:t>
+              <a:t>12/15/2021</a:t>
             </a:fld>
             <a:endParaRPr lang="en-NL"/>
           </a:p>
@@ -1432,7 +1445,7 @@
           <a:p>
             <a:fld id="{BEEC5A5A-C34E-462D-A18F-97AFFCCC6197}" type="datetimeFigureOut">
               <a:rPr lang="en-NL" smtClean="0"/>
-              <a:t>12/09/2021</a:t>
+              <a:t>12/15/2021</a:t>
             </a:fld>
             <a:endParaRPr lang="en-NL"/>
           </a:p>
@@ -1847,7 +1860,7 @@
           <a:p>
             <a:fld id="{BEEC5A5A-C34E-462D-A18F-97AFFCCC6197}" type="datetimeFigureOut">
               <a:rPr lang="en-NL" smtClean="0"/>
-              <a:t>12/09/2021</a:t>
+              <a:t>12/15/2021</a:t>
             </a:fld>
             <a:endParaRPr lang="en-NL"/>
           </a:p>
@@ -1989,7 +2002,7 @@
           <a:p>
             <a:fld id="{BEEC5A5A-C34E-462D-A18F-97AFFCCC6197}" type="datetimeFigureOut">
               <a:rPr lang="en-NL" smtClean="0"/>
-              <a:t>12/09/2021</a:t>
+              <a:t>12/15/2021</a:t>
             </a:fld>
             <a:endParaRPr lang="en-NL"/>
           </a:p>
@@ -2102,7 +2115,7 @@
           <a:p>
             <a:fld id="{BEEC5A5A-C34E-462D-A18F-97AFFCCC6197}" type="datetimeFigureOut">
               <a:rPr lang="en-NL" smtClean="0"/>
-              <a:t>12/09/2021</a:t>
+              <a:t>12/15/2021</a:t>
             </a:fld>
             <a:endParaRPr lang="en-NL"/>
           </a:p>
@@ -2415,7 +2428,7 @@
           <a:p>
             <a:fld id="{BEEC5A5A-C34E-462D-A18F-97AFFCCC6197}" type="datetimeFigureOut">
               <a:rPr lang="en-NL" smtClean="0"/>
-              <a:t>12/09/2021</a:t>
+              <a:t>12/15/2021</a:t>
             </a:fld>
             <a:endParaRPr lang="en-NL"/>
           </a:p>
@@ -2704,7 +2717,7 @@
           <a:p>
             <a:fld id="{BEEC5A5A-C34E-462D-A18F-97AFFCCC6197}" type="datetimeFigureOut">
               <a:rPr lang="en-NL" smtClean="0"/>
-              <a:t>12/09/2021</a:t>
+              <a:t>12/15/2021</a:t>
             </a:fld>
             <a:endParaRPr lang="en-NL"/>
           </a:p>
@@ -2947,7 +2960,7 @@
           <a:p>
             <a:fld id="{BEEC5A5A-C34E-462D-A18F-97AFFCCC6197}" type="datetimeFigureOut">
               <a:rPr lang="en-NL" smtClean="0"/>
-              <a:t>12/09/2021</a:t>
+              <a:t>12/15/2021</a:t>
             </a:fld>
             <a:endParaRPr lang="en-NL"/>
           </a:p>
@@ -3456,7 +3469,7 @@
           <p:cNvPr id="3" name="Picture 2">
             <a:extLst>
               <a:ext uri="{FF2B5EF4-FFF2-40B4-BE49-F238E27FC236}">
-                <a16:creationId xmlns:a16="http://schemas.microsoft.com/office/drawing/2014/main" id="{97BC1DF3-5965-49AD-9973-7C4C0FAB4980}"/>
+                <a16:creationId xmlns:a16="http://schemas.microsoft.com/office/drawing/2014/main" id="{915236E0-BB6F-4C8E-B695-43F181546D6B}"/>
               </a:ext>
             </a:extLst>
           </p:cNvPr>
@@ -3479,8 +3492,8 @@
         </p:blipFill>
         <p:spPr>
           <a:xfrm>
-            <a:off x="952500" y="0"/>
-            <a:ext cx="10287000" cy="6858000"/>
+            <a:off x="609589" y="384042"/>
+            <a:ext cx="10972822" cy="6089916"/>
           </a:xfrm>
           <a:prstGeom prst="rect">
             <a:avLst/>
@@ -3490,7 +3503,7 @@
     </p:spTree>
     <p:extLst>
       <p:ext uri="{BB962C8B-B14F-4D97-AF65-F5344CB8AC3E}">
-        <p14:creationId xmlns:p14="http://schemas.microsoft.com/office/powerpoint/2010/main" val="2503735567"/>
+        <p14:creationId xmlns:p14="http://schemas.microsoft.com/office/powerpoint/2010/main" val="2299510405"/>
       </p:ext>
     </p:extLst>
   </p:cSld>
@@ -3522,6 +3535,894 @@
           <p:cNvPr id="3" name="Picture 2">
             <a:extLst>
               <a:ext uri="{FF2B5EF4-FFF2-40B4-BE49-F238E27FC236}">
+                <a16:creationId xmlns:a16="http://schemas.microsoft.com/office/drawing/2014/main" id="{650EBD36-1976-4F98-85CD-B29247D85366}"/>
+              </a:ext>
+            </a:extLst>
+          </p:cNvPr>
+          <p:cNvPicPr>
+            <a:picLocks noChangeAspect="1"/>
+          </p:cNvPicPr>
+          <p:nvPr/>
+        </p:nvPicPr>
+        <p:blipFill>
+          <a:blip r:embed="rId2">
+            <a:extLst>
+              <a:ext uri="{28A0092B-C50C-407E-A947-70E740481C1C}">
+                <a14:useLocalDpi xmlns:a14="http://schemas.microsoft.com/office/drawing/2010/main" val="0"/>
+              </a:ext>
+            </a:extLst>
+          </a:blip>
+          <a:stretch>
+            <a:fillRect/>
+          </a:stretch>
+        </p:blipFill>
+        <p:spPr>
+          <a:xfrm>
+            <a:off x="243828" y="576066"/>
+            <a:ext cx="11704343" cy="5705867"/>
+          </a:xfrm>
+          <a:prstGeom prst="rect">
+            <a:avLst/>
+          </a:prstGeom>
+        </p:spPr>
+      </p:pic>
+    </p:spTree>
+    <p:extLst>
+      <p:ext uri="{BB962C8B-B14F-4D97-AF65-F5344CB8AC3E}">
+        <p14:creationId xmlns:p14="http://schemas.microsoft.com/office/powerpoint/2010/main" val="3693537388"/>
+      </p:ext>
+    </p:extLst>
+  </p:cSld>
+  <p:clrMapOvr>
+    <a:masterClrMapping/>
+  </p:clrMapOvr>
+</p:sld>
+</file>
+
+<file path=ppt/slides/slide12.xml><?xml version="1.0" encoding="utf-8"?>
+<p:sld xmlns:a="http://schemas.openxmlformats.org/drawingml/2006/main" xmlns:r="http://schemas.openxmlformats.org/officeDocument/2006/relationships" xmlns:p="http://schemas.openxmlformats.org/presentationml/2006/main">
+  <p:cSld>
+    <p:spTree>
+      <p:nvGrpSpPr>
+        <p:cNvPr id="1" name=""/>
+        <p:cNvGrpSpPr/>
+        <p:nvPr/>
+      </p:nvGrpSpPr>
+      <p:grpSpPr>
+        <a:xfrm>
+          <a:off x="0" y="0"/>
+          <a:ext cx="0" cy="0"/>
+          <a:chOff x="0" y="0"/>
+          <a:chExt cx="0" cy="0"/>
+        </a:xfrm>
+      </p:grpSpPr>
+      <p:pic>
+        <p:nvPicPr>
+          <p:cNvPr id="3" name="Picture 2">
+            <a:extLst>
+              <a:ext uri="{FF2B5EF4-FFF2-40B4-BE49-F238E27FC236}">
+                <a16:creationId xmlns:a16="http://schemas.microsoft.com/office/drawing/2014/main" id="{1F9DCC0B-0A66-4BEC-8DF2-29E39459D3B4}"/>
+              </a:ext>
+            </a:extLst>
+          </p:cNvPr>
+          <p:cNvPicPr>
+            <a:picLocks noChangeAspect="1"/>
+          </p:cNvPicPr>
+          <p:nvPr/>
+        </p:nvPicPr>
+        <p:blipFill>
+          <a:blip r:embed="rId2">
+            <a:extLst>
+              <a:ext uri="{28A0092B-C50C-407E-A947-70E740481C1C}">
+                <a14:useLocalDpi xmlns:a14="http://schemas.microsoft.com/office/drawing/2010/main" val="0"/>
+              </a:ext>
+            </a:extLst>
+          </a:blip>
+          <a:stretch>
+            <a:fillRect/>
+          </a:stretch>
+        </p:blipFill>
+        <p:spPr>
+          <a:xfrm>
+            <a:off x="0" y="307975"/>
+            <a:ext cx="12192000" cy="6242050"/>
+          </a:xfrm>
+          <a:prstGeom prst="rect">
+            <a:avLst/>
+          </a:prstGeom>
+        </p:spPr>
+      </p:pic>
+    </p:spTree>
+    <p:extLst>
+      <p:ext uri="{BB962C8B-B14F-4D97-AF65-F5344CB8AC3E}">
+        <p14:creationId xmlns:p14="http://schemas.microsoft.com/office/powerpoint/2010/main" val="119734179"/>
+      </p:ext>
+    </p:extLst>
+  </p:cSld>
+  <p:clrMapOvr>
+    <a:masterClrMapping/>
+  </p:clrMapOvr>
+</p:sld>
+</file>
+
+<file path=ppt/slides/slide13.xml><?xml version="1.0" encoding="utf-8"?>
+<p:sld xmlns:a="http://schemas.openxmlformats.org/drawingml/2006/main" xmlns:r="http://schemas.openxmlformats.org/officeDocument/2006/relationships" xmlns:p="http://schemas.openxmlformats.org/presentationml/2006/main">
+  <p:cSld>
+    <p:spTree>
+      <p:nvGrpSpPr>
+        <p:cNvPr id="1" name=""/>
+        <p:cNvGrpSpPr/>
+        <p:nvPr/>
+      </p:nvGrpSpPr>
+      <p:grpSpPr>
+        <a:xfrm>
+          <a:off x="0" y="0"/>
+          <a:ext cx="0" cy="0"/>
+          <a:chOff x="0" y="0"/>
+          <a:chExt cx="0" cy="0"/>
+        </a:xfrm>
+      </p:grpSpPr>
+      <p:pic>
+        <p:nvPicPr>
+          <p:cNvPr id="3" name="Picture 2">
+            <a:extLst>
+              <a:ext uri="{FF2B5EF4-FFF2-40B4-BE49-F238E27FC236}">
+                <a16:creationId xmlns:a16="http://schemas.microsoft.com/office/drawing/2014/main" id="{E6EE9067-4008-42E3-A975-73A7CC102890}"/>
+              </a:ext>
+            </a:extLst>
+          </p:cNvPr>
+          <p:cNvPicPr>
+            <a:picLocks noChangeAspect="1"/>
+          </p:cNvPicPr>
+          <p:nvPr/>
+        </p:nvPicPr>
+        <p:blipFill>
+          <a:blip r:embed="rId2">
+            <a:extLst>
+              <a:ext uri="{28A0092B-C50C-407E-A947-70E740481C1C}">
+                <a14:useLocalDpi xmlns:a14="http://schemas.microsoft.com/office/drawing/2010/main" val="0"/>
+              </a:ext>
+            </a:extLst>
+          </a:blip>
+          <a:stretch>
+            <a:fillRect/>
+          </a:stretch>
+        </p:blipFill>
+        <p:spPr>
+          <a:xfrm>
+            <a:off x="0" y="307975"/>
+            <a:ext cx="12192000" cy="6242050"/>
+          </a:xfrm>
+          <a:prstGeom prst="rect">
+            <a:avLst/>
+          </a:prstGeom>
+        </p:spPr>
+      </p:pic>
+    </p:spTree>
+    <p:extLst>
+      <p:ext uri="{BB962C8B-B14F-4D97-AF65-F5344CB8AC3E}">
+        <p14:creationId xmlns:p14="http://schemas.microsoft.com/office/powerpoint/2010/main" val="474666965"/>
+      </p:ext>
+    </p:extLst>
+  </p:cSld>
+  <p:clrMapOvr>
+    <a:masterClrMapping/>
+  </p:clrMapOvr>
+</p:sld>
+</file>
+
+<file path=ppt/slides/slide14.xml><?xml version="1.0" encoding="utf-8"?>
+<p:sld xmlns:a="http://schemas.openxmlformats.org/drawingml/2006/main" xmlns:r="http://schemas.openxmlformats.org/officeDocument/2006/relationships" xmlns:p="http://schemas.openxmlformats.org/presentationml/2006/main">
+  <p:cSld>
+    <p:spTree>
+      <p:nvGrpSpPr>
+        <p:cNvPr id="1" name=""/>
+        <p:cNvGrpSpPr/>
+        <p:nvPr/>
+      </p:nvGrpSpPr>
+      <p:grpSpPr>
+        <a:xfrm>
+          <a:off x="0" y="0"/>
+          <a:ext cx="0" cy="0"/>
+          <a:chOff x="0" y="0"/>
+          <a:chExt cx="0" cy="0"/>
+        </a:xfrm>
+      </p:grpSpPr>
+      <p:pic>
+        <p:nvPicPr>
+          <p:cNvPr id="2" name="Picture 1">
+            <a:extLst>
+              <a:ext uri="{FF2B5EF4-FFF2-40B4-BE49-F238E27FC236}">
+                <a16:creationId xmlns:a16="http://schemas.microsoft.com/office/drawing/2014/main" id="{ABFAF873-38D3-45F4-A54A-D1DC641D573B}"/>
+              </a:ext>
+            </a:extLst>
+          </p:cNvPr>
+          <p:cNvPicPr>
+            <a:picLocks noChangeAspect="1"/>
+          </p:cNvPicPr>
+          <p:nvPr/>
+        </p:nvPicPr>
+        <p:blipFill>
+          <a:blip r:embed="rId2">
+            <a:extLst>
+              <a:ext uri="{28A0092B-C50C-407E-A947-70E740481C1C}">
+                <a14:useLocalDpi xmlns:a14="http://schemas.microsoft.com/office/drawing/2010/main" val="0"/>
+              </a:ext>
+            </a:extLst>
+          </a:blip>
+          <a:stretch>
+            <a:fillRect/>
+          </a:stretch>
+        </p:blipFill>
+        <p:spPr>
+          <a:xfrm>
+            <a:off x="0" y="307975"/>
+            <a:ext cx="12192000" cy="6242050"/>
+          </a:xfrm>
+          <a:prstGeom prst="rect">
+            <a:avLst/>
+          </a:prstGeom>
+        </p:spPr>
+      </p:pic>
+    </p:spTree>
+    <p:extLst>
+      <p:ext uri="{BB962C8B-B14F-4D97-AF65-F5344CB8AC3E}">
+        <p14:creationId xmlns:p14="http://schemas.microsoft.com/office/powerpoint/2010/main" val="1908619217"/>
+      </p:ext>
+    </p:extLst>
+  </p:cSld>
+  <p:clrMapOvr>
+    <a:masterClrMapping/>
+  </p:clrMapOvr>
+</p:sld>
+</file>
+
+<file path=ppt/slides/slide15.xml><?xml version="1.0" encoding="utf-8"?>
+<p:sld xmlns:a="http://schemas.openxmlformats.org/drawingml/2006/main" xmlns:r="http://schemas.openxmlformats.org/officeDocument/2006/relationships" xmlns:p="http://schemas.openxmlformats.org/presentationml/2006/main">
+  <p:cSld>
+    <p:spTree>
+      <p:nvGrpSpPr>
+        <p:cNvPr id="1" name=""/>
+        <p:cNvGrpSpPr/>
+        <p:nvPr/>
+      </p:nvGrpSpPr>
+      <p:grpSpPr>
+        <a:xfrm>
+          <a:off x="0" y="0"/>
+          <a:ext cx="0" cy="0"/>
+          <a:chOff x="0" y="0"/>
+          <a:chExt cx="0" cy="0"/>
+        </a:xfrm>
+      </p:grpSpPr>
+      <p:pic>
+        <p:nvPicPr>
+          <p:cNvPr id="3" name="Picture 2">
+            <a:extLst>
+              <a:ext uri="{FF2B5EF4-FFF2-40B4-BE49-F238E27FC236}">
+                <a16:creationId xmlns:a16="http://schemas.microsoft.com/office/drawing/2014/main" id="{FCDAD07C-5883-4D20-9F3E-DCA9BA5D2708}"/>
+              </a:ext>
+            </a:extLst>
+          </p:cNvPr>
+          <p:cNvPicPr>
+            <a:picLocks noChangeAspect="1"/>
+          </p:cNvPicPr>
+          <p:nvPr/>
+        </p:nvPicPr>
+        <p:blipFill>
+          <a:blip r:embed="rId2">
+            <a:extLst>
+              <a:ext uri="{28A0092B-C50C-407E-A947-70E740481C1C}">
+                <a14:useLocalDpi xmlns:a14="http://schemas.microsoft.com/office/drawing/2010/main" val="0"/>
+              </a:ext>
+            </a:extLst>
+          </a:blip>
+          <a:stretch>
+            <a:fillRect/>
+          </a:stretch>
+        </p:blipFill>
+        <p:spPr>
+          <a:xfrm>
+            <a:off x="623305" y="626358"/>
+            <a:ext cx="10945390" cy="5605283"/>
+          </a:xfrm>
+          <a:prstGeom prst="rect">
+            <a:avLst/>
+          </a:prstGeom>
+        </p:spPr>
+      </p:pic>
+    </p:spTree>
+    <p:extLst>
+      <p:ext uri="{BB962C8B-B14F-4D97-AF65-F5344CB8AC3E}">
+        <p14:creationId xmlns:p14="http://schemas.microsoft.com/office/powerpoint/2010/main" val="3868567149"/>
+      </p:ext>
+    </p:extLst>
+  </p:cSld>
+  <p:clrMapOvr>
+    <a:masterClrMapping/>
+  </p:clrMapOvr>
+</p:sld>
+</file>
+
+<file path=ppt/slides/slide16.xml><?xml version="1.0" encoding="utf-8"?>
+<p:sld xmlns:a="http://schemas.openxmlformats.org/drawingml/2006/main" xmlns:r="http://schemas.openxmlformats.org/officeDocument/2006/relationships" xmlns:p="http://schemas.openxmlformats.org/presentationml/2006/main">
+  <p:cSld>
+    <p:spTree>
+      <p:nvGrpSpPr>
+        <p:cNvPr id="1" name=""/>
+        <p:cNvGrpSpPr/>
+        <p:nvPr/>
+      </p:nvGrpSpPr>
+      <p:grpSpPr>
+        <a:xfrm>
+          <a:off x="0" y="0"/>
+          <a:ext cx="0" cy="0"/>
+          <a:chOff x="0" y="0"/>
+          <a:chExt cx="0" cy="0"/>
+        </a:xfrm>
+      </p:grpSpPr>
+      <p:pic>
+        <p:nvPicPr>
+          <p:cNvPr id="3" name="Picture 2">
+            <a:extLst>
+              <a:ext uri="{FF2B5EF4-FFF2-40B4-BE49-F238E27FC236}">
+                <a16:creationId xmlns:a16="http://schemas.microsoft.com/office/drawing/2014/main" id="{ABB4C285-B296-465F-92E4-9160C8789EF9}"/>
+              </a:ext>
+            </a:extLst>
+          </p:cNvPr>
+          <p:cNvPicPr>
+            <a:picLocks noChangeAspect="1"/>
+          </p:cNvPicPr>
+          <p:nvPr/>
+        </p:nvPicPr>
+        <p:blipFill>
+          <a:blip r:embed="rId2">
+            <a:extLst>
+              <a:ext uri="{28A0092B-C50C-407E-A947-70E740481C1C}">
+                <a14:useLocalDpi xmlns:a14="http://schemas.microsoft.com/office/drawing/2010/main" val="0"/>
+              </a:ext>
+            </a:extLst>
+          </a:blip>
+          <a:stretch>
+            <a:fillRect/>
+          </a:stretch>
+        </p:blipFill>
+        <p:spPr>
+          <a:xfrm>
+            <a:off x="952500" y="0"/>
+            <a:ext cx="10287000" cy="6858000"/>
+          </a:xfrm>
+          <a:prstGeom prst="rect">
+            <a:avLst/>
+          </a:prstGeom>
+        </p:spPr>
+      </p:pic>
+    </p:spTree>
+    <p:extLst>
+      <p:ext uri="{BB962C8B-B14F-4D97-AF65-F5344CB8AC3E}">
+        <p14:creationId xmlns:p14="http://schemas.microsoft.com/office/powerpoint/2010/main" val="4175082808"/>
+      </p:ext>
+    </p:extLst>
+  </p:cSld>
+  <p:clrMapOvr>
+    <a:masterClrMapping/>
+  </p:clrMapOvr>
+</p:sld>
+</file>
+
+<file path=ppt/slides/slide17.xml><?xml version="1.0" encoding="utf-8"?>
+<p:sld xmlns:a="http://schemas.openxmlformats.org/drawingml/2006/main" xmlns:r="http://schemas.openxmlformats.org/officeDocument/2006/relationships" xmlns:p="http://schemas.openxmlformats.org/presentationml/2006/main">
+  <p:cSld>
+    <p:spTree>
+      <p:nvGrpSpPr>
+        <p:cNvPr id="1" name=""/>
+        <p:cNvGrpSpPr/>
+        <p:nvPr/>
+      </p:nvGrpSpPr>
+      <p:grpSpPr>
+        <a:xfrm>
+          <a:off x="0" y="0"/>
+          <a:ext cx="0" cy="0"/>
+          <a:chOff x="0" y="0"/>
+          <a:chExt cx="0" cy="0"/>
+        </a:xfrm>
+      </p:grpSpPr>
+      <p:pic>
+        <p:nvPicPr>
+          <p:cNvPr id="3" name="Picture 2">
+            <a:extLst>
+              <a:ext uri="{FF2B5EF4-FFF2-40B4-BE49-F238E27FC236}">
+                <a16:creationId xmlns:a16="http://schemas.microsoft.com/office/drawing/2014/main" id="{611FE2C0-82CA-42FF-B951-C0FF9D17CB50}"/>
+              </a:ext>
+            </a:extLst>
+          </p:cNvPr>
+          <p:cNvPicPr>
+            <a:picLocks noChangeAspect="1"/>
+          </p:cNvPicPr>
+          <p:nvPr/>
+        </p:nvPicPr>
+        <p:blipFill>
+          <a:blip r:embed="rId2">
+            <a:extLst>
+              <a:ext uri="{28A0092B-C50C-407E-A947-70E740481C1C}">
+                <a14:useLocalDpi xmlns:a14="http://schemas.microsoft.com/office/drawing/2010/main" val="0"/>
+              </a:ext>
+            </a:extLst>
+          </a:blip>
+          <a:stretch>
+            <a:fillRect/>
+          </a:stretch>
+        </p:blipFill>
+        <p:spPr>
+          <a:xfrm>
+            <a:off x="952500" y="0"/>
+            <a:ext cx="10287000" cy="6858000"/>
+          </a:xfrm>
+          <a:prstGeom prst="rect">
+            <a:avLst/>
+          </a:prstGeom>
+        </p:spPr>
+      </p:pic>
+    </p:spTree>
+    <p:extLst>
+      <p:ext uri="{BB962C8B-B14F-4D97-AF65-F5344CB8AC3E}">
+        <p14:creationId xmlns:p14="http://schemas.microsoft.com/office/powerpoint/2010/main" val="913427669"/>
+      </p:ext>
+    </p:extLst>
+  </p:cSld>
+  <p:clrMapOvr>
+    <a:masterClrMapping/>
+  </p:clrMapOvr>
+</p:sld>
+</file>
+
+<file path=ppt/slides/slide18.xml><?xml version="1.0" encoding="utf-8"?>
+<p:sld xmlns:a="http://schemas.openxmlformats.org/drawingml/2006/main" xmlns:r="http://schemas.openxmlformats.org/officeDocument/2006/relationships" xmlns:p="http://schemas.openxmlformats.org/presentationml/2006/main">
+  <p:cSld>
+    <p:spTree>
+      <p:nvGrpSpPr>
+        <p:cNvPr id="1" name=""/>
+        <p:cNvGrpSpPr/>
+        <p:nvPr/>
+      </p:nvGrpSpPr>
+      <p:grpSpPr>
+        <a:xfrm>
+          <a:off x="0" y="0"/>
+          <a:ext cx="0" cy="0"/>
+          <a:chOff x="0" y="0"/>
+          <a:chExt cx="0" cy="0"/>
+        </a:xfrm>
+      </p:grpSpPr>
+      <p:pic>
+        <p:nvPicPr>
+          <p:cNvPr id="3" name="Picture 2">
+            <a:extLst>
+              <a:ext uri="{FF2B5EF4-FFF2-40B4-BE49-F238E27FC236}">
+                <a16:creationId xmlns:a16="http://schemas.microsoft.com/office/drawing/2014/main" id="{B78F85C9-DFCD-4784-B4B8-F40E50FFB1AB}"/>
+              </a:ext>
+            </a:extLst>
+          </p:cNvPr>
+          <p:cNvPicPr>
+            <a:picLocks noChangeAspect="1"/>
+          </p:cNvPicPr>
+          <p:nvPr/>
+        </p:nvPicPr>
+        <p:blipFill>
+          <a:blip r:embed="rId2">
+            <a:extLst>
+              <a:ext uri="{28A0092B-C50C-407E-A947-70E740481C1C}">
+                <a14:useLocalDpi xmlns:a14="http://schemas.microsoft.com/office/drawing/2010/main" val="0"/>
+              </a:ext>
+            </a:extLst>
+          </a:blip>
+          <a:stretch>
+            <a:fillRect/>
+          </a:stretch>
+        </p:blipFill>
+        <p:spPr>
+          <a:xfrm>
+            <a:off x="952500" y="0"/>
+            <a:ext cx="10287000" cy="6858000"/>
+          </a:xfrm>
+          <a:prstGeom prst="rect">
+            <a:avLst/>
+          </a:prstGeom>
+        </p:spPr>
+      </p:pic>
+    </p:spTree>
+    <p:extLst>
+      <p:ext uri="{BB962C8B-B14F-4D97-AF65-F5344CB8AC3E}">
+        <p14:creationId xmlns:p14="http://schemas.microsoft.com/office/powerpoint/2010/main" val="2905595639"/>
+      </p:ext>
+    </p:extLst>
+  </p:cSld>
+  <p:clrMapOvr>
+    <a:masterClrMapping/>
+  </p:clrMapOvr>
+</p:sld>
+</file>
+
+<file path=ppt/slides/slide19.xml><?xml version="1.0" encoding="utf-8"?>
+<p:sld xmlns:a="http://schemas.openxmlformats.org/drawingml/2006/main" xmlns:r="http://schemas.openxmlformats.org/officeDocument/2006/relationships" xmlns:p="http://schemas.openxmlformats.org/presentationml/2006/main">
+  <p:cSld>
+    <p:spTree>
+      <p:nvGrpSpPr>
+        <p:cNvPr id="1" name=""/>
+        <p:cNvGrpSpPr/>
+        <p:nvPr/>
+      </p:nvGrpSpPr>
+      <p:grpSpPr>
+        <a:xfrm>
+          <a:off x="0" y="0"/>
+          <a:ext cx="0" cy="0"/>
+          <a:chOff x="0" y="0"/>
+          <a:chExt cx="0" cy="0"/>
+        </a:xfrm>
+      </p:grpSpPr>
+      <p:pic>
+        <p:nvPicPr>
+          <p:cNvPr id="3" name="Picture 2">
+            <a:extLst>
+              <a:ext uri="{FF2B5EF4-FFF2-40B4-BE49-F238E27FC236}">
+                <a16:creationId xmlns:a16="http://schemas.microsoft.com/office/drawing/2014/main" id="{BE4B4434-7CDC-40CC-AF5D-A5F138C2B271}"/>
+              </a:ext>
+            </a:extLst>
+          </p:cNvPr>
+          <p:cNvPicPr>
+            <a:picLocks noChangeAspect="1"/>
+          </p:cNvPicPr>
+          <p:nvPr/>
+        </p:nvPicPr>
+        <p:blipFill>
+          <a:blip r:embed="rId2">
+            <a:extLst>
+              <a:ext uri="{28A0092B-C50C-407E-A947-70E740481C1C}">
+                <a14:useLocalDpi xmlns:a14="http://schemas.microsoft.com/office/drawing/2010/main" val="0"/>
+              </a:ext>
+            </a:extLst>
+          </a:blip>
+          <a:stretch>
+            <a:fillRect/>
+          </a:stretch>
+        </p:blipFill>
+        <p:spPr>
+          <a:xfrm>
+            <a:off x="952500" y="0"/>
+            <a:ext cx="10287000" cy="6858000"/>
+          </a:xfrm>
+          <a:prstGeom prst="rect">
+            <a:avLst/>
+          </a:prstGeom>
+        </p:spPr>
+      </p:pic>
+    </p:spTree>
+    <p:extLst>
+      <p:ext uri="{BB962C8B-B14F-4D97-AF65-F5344CB8AC3E}">
+        <p14:creationId xmlns:p14="http://schemas.microsoft.com/office/powerpoint/2010/main" val="3664488951"/>
+      </p:ext>
+    </p:extLst>
+  </p:cSld>
+  <p:clrMapOvr>
+    <a:masterClrMapping/>
+  </p:clrMapOvr>
+</p:sld>
+</file>
+
+<file path=ppt/slides/slide2.xml><?xml version="1.0" encoding="utf-8"?>
+<p:sld xmlns:a="http://schemas.openxmlformats.org/drawingml/2006/main" xmlns:r="http://schemas.openxmlformats.org/officeDocument/2006/relationships" xmlns:p="http://schemas.openxmlformats.org/presentationml/2006/main">
+  <p:cSld>
+    <p:spTree>
+      <p:nvGrpSpPr>
+        <p:cNvPr id="1" name=""/>
+        <p:cNvGrpSpPr/>
+        <p:nvPr/>
+      </p:nvGrpSpPr>
+      <p:grpSpPr>
+        <a:xfrm>
+          <a:off x="0" y="0"/>
+          <a:ext cx="0" cy="0"/>
+          <a:chOff x="0" y="0"/>
+          <a:chExt cx="0" cy="0"/>
+        </a:xfrm>
+      </p:grpSpPr>
+      <p:pic>
+        <p:nvPicPr>
+          <p:cNvPr id="3" name="Picture 2">
+            <a:extLst>
+              <a:ext uri="{FF2B5EF4-FFF2-40B4-BE49-F238E27FC236}">
+                <a16:creationId xmlns:a16="http://schemas.microsoft.com/office/drawing/2014/main" id="{7883034A-37A4-45D0-A775-6B8F61E5BC88}"/>
+              </a:ext>
+            </a:extLst>
+          </p:cNvPr>
+          <p:cNvPicPr>
+            <a:picLocks noChangeAspect="1"/>
+          </p:cNvPicPr>
+          <p:nvPr/>
+        </p:nvPicPr>
+        <p:blipFill>
+          <a:blip r:embed="rId2">
+            <a:extLst>
+              <a:ext uri="{28A0092B-C50C-407E-A947-70E740481C1C}">
+                <a14:useLocalDpi xmlns:a14="http://schemas.microsoft.com/office/drawing/2010/main" val="0"/>
+              </a:ext>
+            </a:extLst>
+          </a:blip>
+          <a:stretch>
+            <a:fillRect/>
+          </a:stretch>
+        </p:blipFill>
+        <p:spPr>
+          <a:xfrm>
+            <a:off x="243828" y="576066"/>
+            <a:ext cx="11704343" cy="5705867"/>
+          </a:xfrm>
+          <a:prstGeom prst="rect">
+            <a:avLst/>
+          </a:prstGeom>
+        </p:spPr>
+      </p:pic>
+    </p:spTree>
+    <p:extLst>
+      <p:ext uri="{BB962C8B-B14F-4D97-AF65-F5344CB8AC3E}">
+        <p14:creationId xmlns:p14="http://schemas.microsoft.com/office/powerpoint/2010/main" val="153685529"/>
+      </p:ext>
+    </p:extLst>
+  </p:cSld>
+  <p:clrMapOvr>
+    <a:masterClrMapping/>
+  </p:clrMapOvr>
+</p:sld>
+</file>
+
+<file path=ppt/slides/slide20.xml><?xml version="1.0" encoding="utf-8"?>
+<p:sld xmlns:a="http://schemas.openxmlformats.org/drawingml/2006/main" xmlns:r="http://schemas.openxmlformats.org/officeDocument/2006/relationships" xmlns:p="http://schemas.openxmlformats.org/presentationml/2006/main">
+  <p:cSld>
+    <p:spTree>
+      <p:nvGrpSpPr>
+        <p:cNvPr id="1" name=""/>
+        <p:cNvGrpSpPr/>
+        <p:nvPr/>
+      </p:nvGrpSpPr>
+      <p:grpSpPr>
+        <a:xfrm>
+          <a:off x="0" y="0"/>
+          <a:ext cx="0" cy="0"/>
+          <a:chOff x="0" y="0"/>
+          <a:chExt cx="0" cy="0"/>
+        </a:xfrm>
+      </p:grpSpPr>
+      <p:pic>
+        <p:nvPicPr>
+          <p:cNvPr id="3" name="Picture 2">
+            <a:extLst>
+              <a:ext uri="{FF2B5EF4-FFF2-40B4-BE49-F238E27FC236}">
+                <a16:creationId xmlns:a16="http://schemas.microsoft.com/office/drawing/2014/main" id="{A4B833F8-A962-45B3-B320-7D706E29F727}"/>
+              </a:ext>
+            </a:extLst>
+          </p:cNvPr>
+          <p:cNvPicPr>
+            <a:picLocks noChangeAspect="1"/>
+          </p:cNvPicPr>
+          <p:nvPr/>
+        </p:nvPicPr>
+        <p:blipFill>
+          <a:blip r:embed="rId2">
+            <a:extLst>
+              <a:ext uri="{28A0092B-C50C-407E-A947-70E740481C1C}">
+                <a14:useLocalDpi xmlns:a14="http://schemas.microsoft.com/office/drawing/2010/main" val="0"/>
+              </a:ext>
+            </a:extLst>
+          </a:blip>
+          <a:stretch>
+            <a:fillRect/>
+          </a:stretch>
+        </p:blipFill>
+        <p:spPr>
+          <a:xfrm>
+            <a:off x="952500" y="0"/>
+            <a:ext cx="10287000" cy="6858000"/>
+          </a:xfrm>
+          <a:prstGeom prst="rect">
+            <a:avLst/>
+          </a:prstGeom>
+        </p:spPr>
+      </p:pic>
+    </p:spTree>
+    <p:extLst>
+      <p:ext uri="{BB962C8B-B14F-4D97-AF65-F5344CB8AC3E}">
+        <p14:creationId xmlns:p14="http://schemas.microsoft.com/office/powerpoint/2010/main" val="4227133852"/>
+      </p:ext>
+    </p:extLst>
+  </p:cSld>
+  <p:clrMapOvr>
+    <a:masterClrMapping/>
+  </p:clrMapOvr>
+</p:sld>
+</file>
+
+<file path=ppt/slides/slide21.xml><?xml version="1.0" encoding="utf-8"?>
+<p:sld xmlns:a="http://schemas.openxmlformats.org/drawingml/2006/main" xmlns:r="http://schemas.openxmlformats.org/officeDocument/2006/relationships" xmlns:p="http://schemas.openxmlformats.org/presentationml/2006/main">
+  <p:cSld>
+    <p:spTree>
+      <p:nvGrpSpPr>
+        <p:cNvPr id="1" name=""/>
+        <p:cNvGrpSpPr/>
+        <p:nvPr/>
+      </p:nvGrpSpPr>
+      <p:grpSpPr>
+        <a:xfrm>
+          <a:off x="0" y="0"/>
+          <a:ext cx="0" cy="0"/>
+          <a:chOff x="0" y="0"/>
+          <a:chExt cx="0" cy="0"/>
+        </a:xfrm>
+      </p:grpSpPr>
+      <p:pic>
+        <p:nvPicPr>
+          <p:cNvPr id="3" name="Picture 2">
+            <a:extLst>
+              <a:ext uri="{FF2B5EF4-FFF2-40B4-BE49-F238E27FC236}">
+                <a16:creationId xmlns:a16="http://schemas.microsoft.com/office/drawing/2014/main" id="{68829DC5-C880-4629-A7EC-15D92EC98B29}"/>
+              </a:ext>
+            </a:extLst>
+          </p:cNvPr>
+          <p:cNvPicPr>
+            <a:picLocks noChangeAspect="1"/>
+          </p:cNvPicPr>
+          <p:nvPr/>
+        </p:nvPicPr>
+        <p:blipFill>
+          <a:blip r:embed="rId2">
+            <a:extLst>
+              <a:ext uri="{28A0092B-C50C-407E-A947-70E740481C1C}">
+                <a14:useLocalDpi xmlns:a14="http://schemas.microsoft.com/office/drawing/2010/main" val="0"/>
+              </a:ext>
+            </a:extLst>
+          </a:blip>
+          <a:stretch>
+            <a:fillRect/>
+          </a:stretch>
+        </p:blipFill>
+        <p:spPr>
+          <a:xfrm>
+            <a:off x="952500" y="0"/>
+            <a:ext cx="10287000" cy="6858000"/>
+          </a:xfrm>
+          <a:prstGeom prst="rect">
+            <a:avLst/>
+          </a:prstGeom>
+        </p:spPr>
+      </p:pic>
+    </p:spTree>
+    <p:extLst>
+      <p:ext uri="{BB962C8B-B14F-4D97-AF65-F5344CB8AC3E}">
+        <p14:creationId xmlns:p14="http://schemas.microsoft.com/office/powerpoint/2010/main" val="3476738107"/>
+      </p:ext>
+    </p:extLst>
+  </p:cSld>
+  <p:clrMapOvr>
+    <a:masterClrMapping/>
+  </p:clrMapOvr>
+</p:sld>
+</file>
+
+<file path=ppt/slides/slide22.xml><?xml version="1.0" encoding="utf-8"?>
+<p:sld xmlns:a="http://schemas.openxmlformats.org/drawingml/2006/main" xmlns:r="http://schemas.openxmlformats.org/officeDocument/2006/relationships" xmlns:p="http://schemas.openxmlformats.org/presentationml/2006/main">
+  <p:cSld>
+    <p:spTree>
+      <p:nvGrpSpPr>
+        <p:cNvPr id="1" name=""/>
+        <p:cNvGrpSpPr/>
+        <p:nvPr/>
+      </p:nvGrpSpPr>
+      <p:grpSpPr>
+        <a:xfrm>
+          <a:off x="0" y="0"/>
+          <a:ext cx="0" cy="0"/>
+          <a:chOff x="0" y="0"/>
+          <a:chExt cx="0" cy="0"/>
+        </a:xfrm>
+      </p:grpSpPr>
+    </p:spTree>
+    <p:extLst>
+      <p:ext uri="{BB962C8B-B14F-4D97-AF65-F5344CB8AC3E}">
+        <p14:creationId xmlns:p14="http://schemas.microsoft.com/office/powerpoint/2010/main" val="3142745514"/>
+      </p:ext>
+    </p:extLst>
+  </p:cSld>
+  <p:clrMapOvr>
+    <a:masterClrMapping/>
+  </p:clrMapOvr>
+</p:sld>
+</file>
+
+<file path=ppt/slides/slide23.xml><?xml version="1.0" encoding="utf-8"?>
+<p:sld xmlns:a="http://schemas.openxmlformats.org/drawingml/2006/main" xmlns:r="http://schemas.openxmlformats.org/officeDocument/2006/relationships" xmlns:p="http://schemas.openxmlformats.org/presentationml/2006/main">
+  <p:cSld>
+    <p:spTree>
+      <p:nvGrpSpPr>
+        <p:cNvPr id="1" name=""/>
+        <p:cNvGrpSpPr/>
+        <p:nvPr/>
+      </p:nvGrpSpPr>
+      <p:grpSpPr>
+        <a:xfrm>
+          <a:off x="0" y="0"/>
+          <a:ext cx="0" cy="0"/>
+          <a:chOff x="0" y="0"/>
+          <a:chExt cx="0" cy="0"/>
+        </a:xfrm>
+      </p:grpSpPr>
+      <p:pic>
+        <p:nvPicPr>
+          <p:cNvPr id="3" name="Picture 2">
+            <a:extLst>
+              <a:ext uri="{FF2B5EF4-FFF2-40B4-BE49-F238E27FC236}">
+                <a16:creationId xmlns:a16="http://schemas.microsoft.com/office/drawing/2014/main" id="{97BC1DF3-5965-49AD-9973-7C4C0FAB4980}"/>
+              </a:ext>
+            </a:extLst>
+          </p:cNvPr>
+          <p:cNvPicPr>
+            <a:picLocks noChangeAspect="1"/>
+          </p:cNvPicPr>
+          <p:nvPr/>
+        </p:nvPicPr>
+        <p:blipFill>
+          <a:blip r:embed="rId2">
+            <a:extLst>
+              <a:ext uri="{28A0092B-C50C-407E-A947-70E740481C1C}">
+                <a14:useLocalDpi xmlns:a14="http://schemas.microsoft.com/office/drawing/2010/main" val="0"/>
+              </a:ext>
+            </a:extLst>
+          </a:blip>
+          <a:stretch>
+            <a:fillRect/>
+          </a:stretch>
+        </p:blipFill>
+        <p:spPr>
+          <a:xfrm>
+            <a:off x="952500" y="0"/>
+            <a:ext cx="10287000" cy="6858000"/>
+          </a:xfrm>
+          <a:prstGeom prst="rect">
+            <a:avLst/>
+          </a:prstGeom>
+        </p:spPr>
+      </p:pic>
+    </p:spTree>
+    <p:extLst>
+      <p:ext uri="{BB962C8B-B14F-4D97-AF65-F5344CB8AC3E}">
+        <p14:creationId xmlns:p14="http://schemas.microsoft.com/office/powerpoint/2010/main" val="2503735567"/>
+      </p:ext>
+    </p:extLst>
+  </p:cSld>
+  <p:clrMapOvr>
+    <a:masterClrMapping/>
+  </p:clrMapOvr>
+</p:sld>
+</file>
+
+<file path=ppt/slides/slide24.xml><?xml version="1.0" encoding="utf-8"?>
+<p:sld xmlns:a="http://schemas.openxmlformats.org/drawingml/2006/main" xmlns:r="http://schemas.openxmlformats.org/officeDocument/2006/relationships" xmlns:p="http://schemas.openxmlformats.org/presentationml/2006/main">
+  <p:cSld>
+    <p:spTree>
+      <p:nvGrpSpPr>
+        <p:cNvPr id="1" name=""/>
+        <p:cNvGrpSpPr/>
+        <p:nvPr/>
+      </p:nvGrpSpPr>
+      <p:grpSpPr>
+        <a:xfrm>
+          <a:off x="0" y="0"/>
+          <a:ext cx="0" cy="0"/>
+          <a:chOff x="0" y="0"/>
+          <a:chExt cx="0" cy="0"/>
+        </a:xfrm>
+      </p:grpSpPr>
+      <p:pic>
+        <p:nvPicPr>
+          <p:cNvPr id="3" name="Picture 2">
+            <a:extLst>
+              <a:ext uri="{FF2B5EF4-FFF2-40B4-BE49-F238E27FC236}">
                 <a16:creationId xmlns:a16="http://schemas.microsoft.com/office/drawing/2014/main" id="{95F9425F-FCD4-4C22-863E-2D6985602AC6}"/>
               </a:ext>
             </a:extLst>
@@ -3566,7 +4467,7 @@
 </p:sld>
 </file>
 
-<file path=ppt/slides/slide12.xml><?xml version="1.0" encoding="utf-8"?>
+<file path=ppt/slides/slide25.xml><?xml version="1.0" encoding="utf-8"?>
 <p:sld xmlns:a="http://schemas.openxmlformats.org/drawingml/2006/main" xmlns:r="http://schemas.openxmlformats.org/officeDocument/2006/relationships" xmlns:p="http://schemas.openxmlformats.org/presentationml/2006/main">
   <p:cSld>
     <p:spTree>
@@ -3636,7 +4537,7 @@
 </p:sld>
 </file>
 
-<file path=ppt/slides/slide13.xml><?xml version="1.0" encoding="utf-8"?>
+<file path=ppt/slides/slide26.xml><?xml version="1.0" encoding="utf-8"?>
 <p:sld xmlns:a="http://schemas.openxmlformats.org/drawingml/2006/main" xmlns:r="http://schemas.openxmlformats.org/officeDocument/2006/relationships" xmlns:p="http://schemas.openxmlformats.org/presentationml/2006/main">
   <p:cSld>
     <p:spTree>
@@ -3702,7 +4603,7 @@
 </p:sld>
 </file>
 
-<file path=ppt/slides/slide14.xml><?xml version="1.0" encoding="utf-8"?>
+<file path=ppt/slides/slide27.xml><?xml version="1.0" encoding="utf-8"?>
 <p:sld xmlns:a="http://schemas.openxmlformats.org/drawingml/2006/main" xmlns:r="http://schemas.openxmlformats.org/officeDocument/2006/relationships" xmlns:p="http://schemas.openxmlformats.org/presentationml/2006/main">
   <p:cSld>
     <p:spTree>
@@ -3768,7 +4669,7 @@
 </p:sld>
 </file>
 
-<file path=ppt/slides/slide15.xml><?xml version="1.0" encoding="utf-8"?>
+<file path=ppt/slides/slide28.xml><?xml version="1.0" encoding="utf-8"?>
 <p:sld xmlns:a="http://schemas.openxmlformats.org/drawingml/2006/main" xmlns:r="http://schemas.openxmlformats.org/officeDocument/2006/relationships" xmlns:p="http://schemas.openxmlformats.org/presentationml/2006/main">
   <p:cSld>
     <p:spTree>
@@ -3834,7 +4735,7 @@
 </p:sld>
 </file>
 
-<file path=ppt/slides/slide16.xml><?xml version="1.0" encoding="utf-8"?>
+<file path=ppt/slides/slide29.xml><?xml version="1.0" encoding="utf-8"?>
 <p:sld xmlns:a="http://schemas.openxmlformats.org/drawingml/2006/main" xmlns:r="http://schemas.openxmlformats.org/officeDocument/2006/relationships" xmlns:p="http://schemas.openxmlformats.org/presentationml/2006/main">
   <p:cSld>
     <p:spTree>
@@ -3891,204 +4792,6 @@
     <p:extLst>
       <p:ext uri="{BB962C8B-B14F-4D97-AF65-F5344CB8AC3E}">
         <p14:creationId xmlns:p14="http://schemas.microsoft.com/office/powerpoint/2010/main" val="2490056848"/>
-      </p:ext>
-    </p:extLst>
-  </p:cSld>
-  <p:clrMapOvr>
-    <a:masterClrMapping/>
-  </p:clrMapOvr>
-</p:sld>
-</file>
-
-<file path=ppt/slides/slide17.xml><?xml version="1.0" encoding="utf-8"?>
-<p:sld xmlns:a="http://schemas.openxmlformats.org/drawingml/2006/main" xmlns:r="http://schemas.openxmlformats.org/officeDocument/2006/relationships" xmlns:p="http://schemas.openxmlformats.org/presentationml/2006/main">
-  <p:cSld>
-    <p:spTree>
-      <p:nvGrpSpPr>
-        <p:cNvPr id="1" name=""/>
-        <p:cNvGrpSpPr/>
-        <p:nvPr/>
-      </p:nvGrpSpPr>
-      <p:grpSpPr>
-        <a:xfrm>
-          <a:off x="0" y="0"/>
-          <a:ext cx="0" cy="0"/>
-          <a:chOff x="0" y="0"/>
-          <a:chExt cx="0" cy="0"/>
-        </a:xfrm>
-      </p:grpSpPr>
-      <p:pic>
-        <p:nvPicPr>
-          <p:cNvPr id="3" name="Picture 2">
-            <a:extLst>
-              <a:ext uri="{FF2B5EF4-FFF2-40B4-BE49-F238E27FC236}">
-                <a16:creationId xmlns:a16="http://schemas.microsoft.com/office/drawing/2014/main" id="{90EF5930-A86D-459B-B08B-038B94E9566F}"/>
-              </a:ext>
-            </a:extLst>
-          </p:cNvPr>
-          <p:cNvPicPr>
-            <a:picLocks noChangeAspect="1"/>
-          </p:cNvPicPr>
-          <p:nvPr/>
-        </p:nvPicPr>
-        <p:blipFill>
-          <a:blip r:embed="rId2">
-            <a:extLst>
-              <a:ext uri="{28A0092B-C50C-407E-A947-70E740481C1C}">
-                <a14:useLocalDpi xmlns:a14="http://schemas.microsoft.com/office/drawing/2010/main" val="0"/>
-              </a:ext>
-            </a:extLst>
-          </a:blip>
-          <a:stretch>
-            <a:fillRect/>
-          </a:stretch>
-        </p:blipFill>
-        <p:spPr>
-          <a:xfrm>
-            <a:off x="952500" y="0"/>
-            <a:ext cx="10287000" cy="6858000"/>
-          </a:xfrm>
-          <a:prstGeom prst="rect">
-            <a:avLst/>
-          </a:prstGeom>
-        </p:spPr>
-      </p:pic>
-    </p:spTree>
-    <p:extLst>
-      <p:ext uri="{BB962C8B-B14F-4D97-AF65-F5344CB8AC3E}">
-        <p14:creationId xmlns:p14="http://schemas.microsoft.com/office/powerpoint/2010/main" val="754229380"/>
-      </p:ext>
-    </p:extLst>
-  </p:cSld>
-  <p:clrMapOvr>
-    <a:masterClrMapping/>
-  </p:clrMapOvr>
-</p:sld>
-</file>
-
-<file path=ppt/slides/slide18.xml><?xml version="1.0" encoding="utf-8"?>
-<p:sld xmlns:a="http://schemas.openxmlformats.org/drawingml/2006/main" xmlns:r="http://schemas.openxmlformats.org/officeDocument/2006/relationships" xmlns:p="http://schemas.openxmlformats.org/presentationml/2006/main">
-  <p:cSld>
-    <p:spTree>
-      <p:nvGrpSpPr>
-        <p:cNvPr id="1" name=""/>
-        <p:cNvGrpSpPr/>
-        <p:nvPr/>
-      </p:nvGrpSpPr>
-      <p:grpSpPr>
-        <a:xfrm>
-          <a:off x="0" y="0"/>
-          <a:ext cx="0" cy="0"/>
-          <a:chOff x="0" y="0"/>
-          <a:chExt cx="0" cy="0"/>
-        </a:xfrm>
-      </p:grpSpPr>
-      <p:pic>
-        <p:nvPicPr>
-          <p:cNvPr id="3" name="Picture 2">
-            <a:extLst>
-              <a:ext uri="{FF2B5EF4-FFF2-40B4-BE49-F238E27FC236}">
-                <a16:creationId xmlns:a16="http://schemas.microsoft.com/office/drawing/2014/main" id="{24190E94-689A-4CFC-86F3-CD2ACCE7EBD2}"/>
-              </a:ext>
-            </a:extLst>
-          </p:cNvPr>
-          <p:cNvPicPr>
-            <a:picLocks noChangeAspect="1"/>
-          </p:cNvPicPr>
-          <p:nvPr/>
-        </p:nvPicPr>
-        <p:blipFill>
-          <a:blip r:embed="rId2">
-            <a:extLst>
-              <a:ext uri="{28A0092B-C50C-407E-A947-70E740481C1C}">
-                <a14:useLocalDpi xmlns:a14="http://schemas.microsoft.com/office/drawing/2010/main" val="0"/>
-              </a:ext>
-            </a:extLst>
-          </a:blip>
-          <a:stretch>
-            <a:fillRect/>
-          </a:stretch>
-        </p:blipFill>
-        <p:spPr>
-          <a:xfrm>
-            <a:off x="952500" y="0"/>
-            <a:ext cx="10287000" cy="6858000"/>
-          </a:xfrm>
-          <a:prstGeom prst="rect">
-            <a:avLst/>
-          </a:prstGeom>
-        </p:spPr>
-      </p:pic>
-    </p:spTree>
-    <p:extLst>
-      <p:ext uri="{BB962C8B-B14F-4D97-AF65-F5344CB8AC3E}">
-        <p14:creationId xmlns:p14="http://schemas.microsoft.com/office/powerpoint/2010/main" val="1491631537"/>
-      </p:ext>
-    </p:extLst>
-  </p:cSld>
-  <p:clrMapOvr>
-    <a:masterClrMapping/>
-  </p:clrMapOvr>
-</p:sld>
-</file>
-
-<file path=ppt/slides/slide2.xml><?xml version="1.0" encoding="utf-8"?>
-<p:sld xmlns:a="http://schemas.openxmlformats.org/drawingml/2006/main" xmlns:r="http://schemas.openxmlformats.org/officeDocument/2006/relationships" xmlns:p="http://schemas.openxmlformats.org/presentationml/2006/main">
-  <p:cSld>
-    <p:spTree>
-      <p:nvGrpSpPr>
-        <p:cNvPr id="1" name=""/>
-        <p:cNvGrpSpPr/>
-        <p:nvPr/>
-      </p:nvGrpSpPr>
-      <p:grpSpPr>
-        <a:xfrm>
-          <a:off x="0" y="0"/>
-          <a:ext cx="0" cy="0"/>
-          <a:chOff x="0" y="0"/>
-          <a:chExt cx="0" cy="0"/>
-        </a:xfrm>
-      </p:grpSpPr>
-      <p:pic>
-        <p:nvPicPr>
-          <p:cNvPr id="3" name="Picture 2">
-            <a:extLst>
-              <a:ext uri="{FF2B5EF4-FFF2-40B4-BE49-F238E27FC236}">
-                <a16:creationId xmlns:a16="http://schemas.microsoft.com/office/drawing/2014/main" id="{FCDAD07C-5883-4D20-9F3E-DCA9BA5D2708}"/>
-              </a:ext>
-            </a:extLst>
-          </p:cNvPr>
-          <p:cNvPicPr>
-            <a:picLocks noChangeAspect="1"/>
-          </p:cNvPicPr>
-          <p:nvPr/>
-        </p:nvPicPr>
-        <p:blipFill>
-          <a:blip r:embed="rId2">
-            <a:extLst>
-              <a:ext uri="{28A0092B-C50C-407E-A947-70E740481C1C}">
-                <a14:useLocalDpi xmlns:a14="http://schemas.microsoft.com/office/drawing/2010/main" val="0"/>
-              </a:ext>
-            </a:extLst>
-          </a:blip>
-          <a:stretch>
-            <a:fillRect/>
-          </a:stretch>
-        </p:blipFill>
-        <p:spPr>
-          <a:xfrm>
-            <a:off x="623305" y="626358"/>
-            <a:ext cx="10945390" cy="5605283"/>
-          </a:xfrm>
-          <a:prstGeom prst="rect">
-            <a:avLst/>
-          </a:prstGeom>
-        </p:spPr>
-      </p:pic>
-    </p:spTree>
-    <p:extLst>
-      <p:ext uri="{BB962C8B-B14F-4D97-AF65-F5344CB8AC3E}">
-        <p14:creationId xmlns:p14="http://schemas.microsoft.com/office/powerpoint/2010/main" val="3868567149"/>
       </p:ext>
     </p:extLst>
   </p:cSld>
@@ -4120,7 +4823,73 @@
           <p:cNvPr id="3" name="Picture 2">
             <a:extLst>
               <a:ext uri="{FF2B5EF4-FFF2-40B4-BE49-F238E27FC236}">
-                <a16:creationId xmlns:a16="http://schemas.microsoft.com/office/drawing/2014/main" id="{ABB4C285-B296-465F-92E4-9160C8789EF9}"/>
+                <a16:creationId xmlns:a16="http://schemas.microsoft.com/office/drawing/2014/main" id="{2E20517A-6332-4BBD-A289-7C712C3F3C78}"/>
+              </a:ext>
+            </a:extLst>
+          </p:cNvPr>
+          <p:cNvPicPr>
+            <a:picLocks noChangeAspect="1"/>
+          </p:cNvPicPr>
+          <p:nvPr/>
+        </p:nvPicPr>
+        <p:blipFill>
+          <a:blip r:embed="rId2">
+            <a:extLst>
+              <a:ext uri="{28A0092B-C50C-407E-A947-70E740481C1C}">
+                <a14:useLocalDpi xmlns:a14="http://schemas.microsoft.com/office/drawing/2010/main" val="0"/>
+              </a:ext>
+            </a:extLst>
+          </a:blip>
+          <a:stretch>
+            <a:fillRect/>
+          </a:stretch>
+        </p:blipFill>
+        <p:spPr>
+          <a:xfrm>
+            <a:off x="243828" y="576066"/>
+            <a:ext cx="11704343" cy="5705867"/>
+          </a:xfrm>
+          <a:prstGeom prst="rect">
+            <a:avLst/>
+          </a:prstGeom>
+        </p:spPr>
+      </p:pic>
+    </p:spTree>
+    <p:extLst>
+      <p:ext uri="{BB962C8B-B14F-4D97-AF65-F5344CB8AC3E}">
+        <p14:creationId xmlns:p14="http://schemas.microsoft.com/office/powerpoint/2010/main" val="3038389398"/>
+      </p:ext>
+    </p:extLst>
+  </p:cSld>
+  <p:clrMapOvr>
+    <a:masterClrMapping/>
+  </p:clrMapOvr>
+</p:sld>
+</file>
+
+<file path=ppt/slides/slide30.xml><?xml version="1.0" encoding="utf-8"?>
+<p:sld xmlns:a="http://schemas.openxmlformats.org/drawingml/2006/main" xmlns:r="http://schemas.openxmlformats.org/officeDocument/2006/relationships" xmlns:p="http://schemas.openxmlformats.org/presentationml/2006/main">
+  <p:cSld>
+    <p:spTree>
+      <p:nvGrpSpPr>
+        <p:cNvPr id="1" name=""/>
+        <p:cNvGrpSpPr/>
+        <p:nvPr/>
+      </p:nvGrpSpPr>
+      <p:grpSpPr>
+        <a:xfrm>
+          <a:off x="0" y="0"/>
+          <a:ext cx="0" cy="0"/>
+          <a:chOff x="0" y="0"/>
+          <a:chExt cx="0" cy="0"/>
+        </a:xfrm>
+      </p:grpSpPr>
+      <p:pic>
+        <p:nvPicPr>
+          <p:cNvPr id="3" name="Picture 2">
+            <a:extLst>
+              <a:ext uri="{FF2B5EF4-FFF2-40B4-BE49-F238E27FC236}">
+                <a16:creationId xmlns:a16="http://schemas.microsoft.com/office/drawing/2014/main" id="{90EF5930-A86D-459B-B08B-038B94E9566F}"/>
               </a:ext>
             </a:extLst>
           </p:cNvPr>
@@ -4154,7 +4923,73 @@
     </p:spTree>
     <p:extLst>
       <p:ext uri="{BB962C8B-B14F-4D97-AF65-F5344CB8AC3E}">
-        <p14:creationId xmlns:p14="http://schemas.microsoft.com/office/powerpoint/2010/main" val="4175082808"/>
+        <p14:creationId xmlns:p14="http://schemas.microsoft.com/office/powerpoint/2010/main" val="754229380"/>
+      </p:ext>
+    </p:extLst>
+  </p:cSld>
+  <p:clrMapOvr>
+    <a:masterClrMapping/>
+  </p:clrMapOvr>
+</p:sld>
+</file>
+
+<file path=ppt/slides/slide31.xml><?xml version="1.0" encoding="utf-8"?>
+<p:sld xmlns:a="http://schemas.openxmlformats.org/drawingml/2006/main" xmlns:r="http://schemas.openxmlformats.org/officeDocument/2006/relationships" xmlns:p="http://schemas.openxmlformats.org/presentationml/2006/main">
+  <p:cSld>
+    <p:spTree>
+      <p:nvGrpSpPr>
+        <p:cNvPr id="1" name=""/>
+        <p:cNvGrpSpPr/>
+        <p:nvPr/>
+      </p:nvGrpSpPr>
+      <p:grpSpPr>
+        <a:xfrm>
+          <a:off x="0" y="0"/>
+          <a:ext cx="0" cy="0"/>
+          <a:chOff x="0" y="0"/>
+          <a:chExt cx="0" cy="0"/>
+        </a:xfrm>
+      </p:grpSpPr>
+      <p:pic>
+        <p:nvPicPr>
+          <p:cNvPr id="3" name="Picture 2">
+            <a:extLst>
+              <a:ext uri="{FF2B5EF4-FFF2-40B4-BE49-F238E27FC236}">
+                <a16:creationId xmlns:a16="http://schemas.microsoft.com/office/drawing/2014/main" id="{24190E94-689A-4CFC-86F3-CD2ACCE7EBD2}"/>
+              </a:ext>
+            </a:extLst>
+          </p:cNvPr>
+          <p:cNvPicPr>
+            <a:picLocks noChangeAspect="1"/>
+          </p:cNvPicPr>
+          <p:nvPr/>
+        </p:nvPicPr>
+        <p:blipFill>
+          <a:blip r:embed="rId2">
+            <a:extLst>
+              <a:ext uri="{28A0092B-C50C-407E-A947-70E740481C1C}">
+                <a14:useLocalDpi xmlns:a14="http://schemas.microsoft.com/office/drawing/2010/main" val="0"/>
+              </a:ext>
+            </a:extLst>
+          </a:blip>
+          <a:stretch>
+            <a:fillRect/>
+          </a:stretch>
+        </p:blipFill>
+        <p:spPr>
+          <a:xfrm>
+            <a:off x="952500" y="0"/>
+            <a:ext cx="10287000" cy="6858000"/>
+          </a:xfrm>
+          <a:prstGeom prst="rect">
+            <a:avLst/>
+          </a:prstGeom>
+        </p:spPr>
+      </p:pic>
+    </p:spTree>
+    <p:extLst>
+      <p:ext uri="{BB962C8B-B14F-4D97-AF65-F5344CB8AC3E}">
+        <p14:creationId xmlns:p14="http://schemas.microsoft.com/office/powerpoint/2010/main" val="1491631537"/>
       </p:ext>
     </p:extLst>
   </p:cSld>
@@ -4186,7 +5021,7 @@
           <p:cNvPr id="3" name="Picture 2">
             <a:extLst>
               <a:ext uri="{FF2B5EF4-FFF2-40B4-BE49-F238E27FC236}">
-                <a16:creationId xmlns:a16="http://schemas.microsoft.com/office/drawing/2014/main" id="{611FE2C0-82CA-42FF-B951-C0FF9D17CB50}"/>
+                <a16:creationId xmlns:a16="http://schemas.microsoft.com/office/drawing/2014/main" id="{62D6092B-D644-4FDB-8373-BB7F62A38652}"/>
               </a:ext>
             </a:extLst>
           </p:cNvPr>
@@ -4209,8 +5044,8 @@
         </p:blipFill>
         <p:spPr>
           <a:xfrm>
-            <a:off x="952500" y="0"/>
-            <a:ext cx="10287000" cy="6858000"/>
+            <a:off x="243828" y="576066"/>
+            <a:ext cx="11704343" cy="5705867"/>
           </a:xfrm>
           <a:prstGeom prst="rect">
             <a:avLst/>
@@ -4220,7 +5055,7 @@
     </p:spTree>
     <p:extLst>
       <p:ext uri="{BB962C8B-B14F-4D97-AF65-F5344CB8AC3E}">
-        <p14:creationId xmlns:p14="http://schemas.microsoft.com/office/powerpoint/2010/main" val="913427669"/>
+        <p14:creationId xmlns:p14="http://schemas.microsoft.com/office/powerpoint/2010/main" val="1141675913"/>
       </p:ext>
     </p:extLst>
   </p:cSld>
@@ -4252,7 +5087,7 @@
           <p:cNvPr id="3" name="Picture 2">
             <a:extLst>
               <a:ext uri="{FF2B5EF4-FFF2-40B4-BE49-F238E27FC236}">
-                <a16:creationId xmlns:a16="http://schemas.microsoft.com/office/drawing/2014/main" id="{B78F85C9-DFCD-4784-B4B8-F40E50FFB1AB}"/>
+                <a16:creationId xmlns:a16="http://schemas.microsoft.com/office/drawing/2014/main" id="{845F161B-EA12-4C7B-95A9-1AE50F90CE5E}"/>
               </a:ext>
             </a:extLst>
           </p:cNvPr>
@@ -4275,8 +5110,8 @@
         </p:blipFill>
         <p:spPr>
           <a:xfrm>
-            <a:off x="952500" y="0"/>
-            <a:ext cx="10287000" cy="6858000"/>
+            <a:off x="243828" y="576066"/>
+            <a:ext cx="11704343" cy="5705867"/>
           </a:xfrm>
           <a:prstGeom prst="rect">
             <a:avLst/>
@@ -4286,7 +5121,7 @@
     </p:spTree>
     <p:extLst>
       <p:ext uri="{BB962C8B-B14F-4D97-AF65-F5344CB8AC3E}">
-        <p14:creationId xmlns:p14="http://schemas.microsoft.com/office/powerpoint/2010/main" val="2905595639"/>
+        <p14:creationId xmlns:p14="http://schemas.microsoft.com/office/powerpoint/2010/main" val="2775358830"/>
       </p:ext>
     </p:extLst>
   </p:cSld>
@@ -4318,7 +5153,7 @@
           <p:cNvPr id="3" name="Picture 2">
             <a:extLst>
               <a:ext uri="{FF2B5EF4-FFF2-40B4-BE49-F238E27FC236}">
-                <a16:creationId xmlns:a16="http://schemas.microsoft.com/office/drawing/2014/main" id="{BE4B4434-7CDC-40CC-AF5D-A5F138C2B271}"/>
+                <a16:creationId xmlns:a16="http://schemas.microsoft.com/office/drawing/2014/main" id="{27AFB4CA-DF69-4152-8720-8A6C3B019FB5}"/>
               </a:ext>
             </a:extLst>
           </p:cNvPr>
@@ -4341,8 +5176,8 @@
         </p:blipFill>
         <p:spPr>
           <a:xfrm>
-            <a:off x="952500" y="0"/>
-            <a:ext cx="10287000" cy="6858000"/>
+            <a:off x="609589" y="384042"/>
+            <a:ext cx="10972822" cy="6089916"/>
           </a:xfrm>
           <a:prstGeom prst="rect">
             <a:avLst/>
@@ -4352,7 +5187,7 @@
     </p:spTree>
     <p:extLst>
       <p:ext uri="{BB962C8B-B14F-4D97-AF65-F5344CB8AC3E}">
-        <p14:creationId xmlns:p14="http://schemas.microsoft.com/office/powerpoint/2010/main" val="3664488951"/>
+        <p14:creationId xmlns:p14="http://schemas.microsoft.com/office/powerpoint/2010/main" val="3365488709"/>
       </p:ext>
     </p:extLst>
   </p:cSld>
@@ -4384,7 +5219,7 @@
           <p:cNvPr id="3" name="Picture 2">
             <a:extLst>
               <a:ext uri="{FF2B5EF4-FFF2-40B4-BE49-F238E27FC236}">
-                <a16:creationId xmlns:a16="http://schemas.microsoft.com/office/drawing/2014/main" id="{A4B833F8-A962-45B3-B320-7D706E29F727}"/>
+                <a16:creationId xmlns:a16="http://schemas.microsoft.com/office/drawing/2014/main" id="{7D7A66ED-CEED-4FDC-ABDA-6E97ECCDD3B6}"/>
               </a:ext>
             </a:extLst>
           </p:cNvPr>
@@ -4407,8 +5242,8 @@
         </p:blipFill>
         <p:spPr>
           <a:xfrm>
-            <a:off x="952500" y="0"/>
-            <a:ext cx="10287000" cy="6858000"/>
+            <a:off x="243828" y="576066"/>
+            <a:ext cx="11704343" cy="5705867"/>
           </a:xfrm>
           <a:prstGeom prst="rect">
             <a:avLst/>
@@ -4418,7 +5253,7 @@
     </p:spTree>
     <p:extLst>
       <p:ext uri="{BB962C8B-B14F-4D97-AF65-F5344CB8AC3E}">
-        <p14:creationId xmlns:p14="http://schemas.microsoft.com/office/powerpoint/2010/main" val="4227133852"/>
+        <p14:creationId xmlns:p14="http://schemas.microsoft.com/office/powerpoint/2010/main" val="3700008070"/>
       </p:ext>
     </p:extLst>
   </p:cSld>
@@ -4450,7 +5285,7 @@
           <p:cNvPr id="3" name="Picture 2">
             <a:extLst>
               <a:ext uri="{FF2B5EF4-FFF2-40B4-BE49-F238E27FC236}">
-                <a16:creationId xmlns:a16="http://schemas.microsoft.com/office/drawing/2014/main" id="{68829DC5-C880-4629-A7EC-15D92EC98B29}"/>
+                <a16:creationId xmlns:a16="http://schemas.microsoft.com/office/drawing/2014/main" id="{287E85FA-21B0-4AD1-A3D1-179B84853AC1}"/>
               </a:ext>
             </a:extLst>
           </p:cNvPr>
@@ -4473,8 +5308,8 @@
         </p:blipFill>
         <p:spPr>
           <a:xfrm>
-            <a:off x="952500" y="0"/>
-            <a:ext cx="10287000" cy="6858000"/>
+            <a:off x="243828" y="576066"/>
+            <a:ext cx="11704343" cy="5705867"/>
           </a:xfrm>
           <a:prstGeom prst="rect">
             <a:avLst/>
@@ -4484,7 +5319,7 @@
     </p:spTree>
     <p:extLst>
       <p:ext uri="{BB962C8B-B14F-4D97-AF65-F5344CB8AC3E}">
-        <p14:creationId xmlns:p14="http://schemas.microsoft.com/office/powerpoint/2010/main" val="3476738107"/>
+        <p14:creationId xmlns:p14="http://schemas.microsoft.com/office/powerpoint/2010/main" val="2326460767"/>
       </p:ext>
     </p:extLst>
   </p:cSld>
@@ -4511,10 +5346,46 @@
           <a:chExt cx="0" cy="0"/>
         </a:xfrm>
       </p:grpSpPr>
+      <p:pic>
+        <p:nvPicPr>
+          <p:cNvPr id="3" name="Picture 2">
+            <a:extLst>
+              <a:ext uri="{FF2B5EF4-FFF2-40B4-BE49-F238E27FC236}">
+                <a16:creationId xmlns:a16="http://schemas.microsoft.com/office/drawing/2014/main" id="{82E0C610-B15D-49A5-AA91-D7A50AA503C3}"/>
+              </a:ext>
+            </a:extLst>
+          </p:cNvPr>
+          <p:cNvPicPr>
+            <a:picLocks noChangeAspect="1"/>
+          </p:cNvPicPr>
+          <p:nvPr/>
+        </p:nvPicPr>
+        <p:blipFill>
+          <a:blip r:embed="rId2">
+            <a:extLst>
+              <a:ext uri="{28A0092B-C50C-407E-A947-70E740481C1C}">
+                <a14:useLocalDpi xmlns:a14="http://schemas.microsoft.com/office/drawing/2010/main" val="0"/>
+              </a:ext>
+            </a:extLst>
+          </a:blip>
+          <a:stretch>
+            <a:fillRect/>
+          </a:stretch>
+        </p:blipFill>
+        <p:spPr>
+          <a:xfrm>
+            <a:off x="243828" y="576066"/>
+            <a:ext cx="11704343" cy="5705867"/>
+          </a:xfrm>
+          <a:prstGeom prst="rect">
+            <a:avLst/>
+          </a:prstGeom>
+        </p:spPr>
+      </p:pic>
     </p:spTree>
     <p:extLst>
       <p:ext uri="{BB962C8B-B14F-4D97-AF65-F5344CB8AC3E}">
-        <p14:creationId xmlns:p14="http://schemas.microsoft.com/office/powerpoint/2010/main" val="3142745514"/>
+        <p14:creationId xmlns:p14="http://schemas.microsoft.com/office/powerpoint/2010/main" val="1906861766"/>
       </p:ext>
     </p:extLst>
   </p:cSld>
@@ -4820,7 +5691,7 @@
 </file>
 
 <file path=customXml/item1.xml><?xml version="1.0" encoding="utf-8"?>
-<TemplafySlideFormConfiguration><![CDATA[{"formFields":[],"formDataEntries":[]}]]></TemplafySlideFormConfiguration>
+<TemplafyFormConfiguration><![CDATA[{"formFields":[],"formDataEntries":[]}]]></TemplafyFormConfiguration>
 </file>
 
 <file path=customXml/item2.xml><?xml version="1.0" encoding="utf-8"?>
@@ -4828,7 +5699,7 @@
 </file>
 
 <file path=customXml/item3.xml><?xml version="1.0" encoding="utf-8"?>
-<TemplafyFormConfiguration><![CDATA[{"formFields":[],"formDataEntries":[]}]]></TemplafyFormConfiguration>
+<TemplafySlideFormConfiguration><![CDATA[{"formFields":[],"formDataEntries":[]}]]></TemplafySlideFormConfiguration>
 </file>
 
 <file path=customXml/item4.xml><?xml version="1.0" encoding="utf-8"?>
@@ -4836,7 +5707,7 @@
 </file>
 
 <file path=customXml/itemProps1.xml><?xml version="1.0" encoding="utf-8"?>
-<ds:datastoreItem xmlns:ds="http://schemas.openxmlformats.org/officeDocument/2006/customXml" ds:itemID="{B7907530-0CC5-4229-9EFB-458F577AA3A6}">
+<ds:datastoreItem xmlns:ds="http://schemas.openxmlformats.org/officeDocument/2006/customXml" ds:itemID="{21E4BB68-DBE0-4174-BF38-A8F24AA97E06}">
   <ds:schemaRefs/>
 </ds:datastoreItem>
 </file>
@@ -4848,7 +5719,7 @@
 </file>
 
 <file path=customXml/itemProps3.xml><?xml version="1.0" encoding="utf-8"?>
-<ds:datastoreItem xmlns:ds="http://schemas.openxmlformats.org/officeDocument/2006/customXml" ds:itemID="{21E4BB68-DBE0-4174-BF38-A8F24AA97E06}">
+<ds:datastoreItem xmlns:ds="http://schemas.openxmlformats.org/officeDocument/2006/customXml" ds:itemID="{B7907530-0CC5-4229-9EFB-458F577AA3A6}">
   <ds:schemaRefs/>
 </ds:datastoreItem>
 </file>
